--- a/tictactoe.pptx
+++ b/tictactoe.pptx
@@ -22,7 +22,8 @@
     <p:sldId id="301" r:id="rId16"/>
     <p:sldId id="302" r:id="rId17"/>
     <p:sldId id="303" r:id="rId18"/>
-    <p:sldId id="295" r:id="rId19"/>
+    <p:sldId id="305" r:id="rId19"/>
+    <p:sldId id="295" r:id="rId20"/>
   </p:sldIdLst>
   <p:sldSz cx="12192000" cy="6858000"/>
   <p:notesSz cx="6858000" cy="9144000"/>
@@ -260,7 +261,7 @@
           <a:p>
             <a:fld id="{635F9182-3771-4DF1-9A99-F90F22AB50AA}" type="datetimeFigureOut">
               <a:rPr lang="en-US" smtClean="0"/>
-              <a:t>2/22/2017</a:t>
+              <a:t>2/27/2017</a:t>
             </a:fld>
             <a:endParaRPr lang="en-US"/>
           </a:p>
@@ -430,7 +431,7 @@
           <a:p>
             <a:fld id="{635F9182-3771-4DF1-9A99-F90F22AB50AA}" type="datetimeFigureOut">
               <a:rPr lang="en-US" smtClean="0"/>
-              <a:t>2/22/2017</a:t>
+              <a:t>2/27/2017</a:t>
             </a:fld>
             <a:endParaRPr lang="en-US"/>
           </a:p>
@@ -610,7 +611,7 @@
           <a:p>
             <a:fld id="{635F9182-3771-4DF1-9A99-F90F22AB50AA}" type="datetimeFigureOut">
               <a:rPr lang="en-US" smtClean="0"/>
-              <a:t>2/22/2017</a:t>
+              <a:t>2/27/2017</a:t>
             </a:fld>
             <a:endParaRPr lang="en-US"/>
           </a:p>
@@ -992,7 +993,7 @@
           <a:p>
             <a:fld id="{635F9182-3771-4DF1-9A99-F90F22AB50AA}" type="datetimeFigureOut">
               <a:rPr lang="en-US" smtClean="0"/>
-              <a:t>2/22/2017</a:t>
+              <a:t>2/27/2017</a:t>
             </a:fld>
             <a:endParaRPr lang="en-US"/>
           </a:p>
@@ -1238,7 +1239,7 @@
           <a:p>
             <a:fld id="{635F9182-3771-4DF1-9A99-F90F22AB50AA}" type="datetimeFigureOut">
               <a:rPr lang="en-US" smtClean="0"/>
-              <a:t>2/22/2017</a:t>
+              <a:t>2/27/2017</a:t>
             </a:fld>
             <a:endParaRPr lang="en-US"/>
           </a:p>
@@ -1470,7 +1471,7 @@
           <a:p>
             <a:fld id="{635F9182-3771-4DF1-9A99-F90F22AB50AA}" type="datetimeFigureOut">
               <a:rPr lang="en-US" smtClean="0"/>
-              <a:t>2/22/2017</a:t>
+              <a:t>2/27/2017</a:t>
             </a:fld>
             <a:endParaRPr lang="en-US"/>
           </a:p>
@@ -1837,7 +1838,7 @@
           <a:p>
             <a:fld id="{635F9182-3771-4DF1-9A99-F90F22AB50AA}" type="datetimeFigureOut">
               <a:rPr lang="en-US" smtClean="0"/>
-              <a:t>2/22/2017</a:t>
+              <a:t>2/27/2017</a:t>
             </a:fld>
             <a:endParaRPr lang="en-US"/>
           </a:p>
@@ -1955,7 +1956,7 @@
           <a:p>
             <a:fld id="{635F9182-3771-4DF1-9A99-F90F22AB50AA}" type="datetimeFigureOut">
               <a:rPr lang="en-US" smtClean="0"/>
-              <a:t>2/22/2017</a:t>
+              <a:t>2/27/2017</a:t>
             </a:fld>
             <a:endParaRPr lang="en-US"/>
           </a:p>
@@ -2050,7 +2051,7 @@
           <a:p>
             <a:fld id="{635F9182-3771-4DF1-9A99-F90F22AB50AA}" type="datetimeFigureOut">
               <a:rPr lang="en-US" smtClean="0"/>
-              <a:t>2/22/2017</a:t>
+              <a:t>2/27/2017</a:t>
             </a:fld>
             <a:endParaRPr lang="en-US"/>
           </a:p>
@@ -2327,7 +2328,7 @@
           <a:p>
             <a:fld id="{635F9182-3771-4DF1-9A99-F90F22AB50AA}" type="datetimeFigureOut">
               <a:rPr lang="en-US" smtClean="0"/>
-              <a:t>2/22/2017</a:t>
+              <a:t>2/27/2017</a:t>
             </a:fld>
             <a:endParaRPr lang="en-US"/>
           </a:p>
@@ -2580,7 +2581,7 @@
           <a:p>
             <a:fld id="{635F9182-3771-4DF1-9A99-F90F22AB50AA}" type="datetimeFigureOut">
               <a:rPr lang="en-US" smtClean="0"/>
-              <a:t>2/22/2017</a:t>
+              <a:t>2/27/2017</a:t>
             </a:fld>
             <a:endParaRPr lang="en-US"/>
           </a:p>
@@ -2793,7 +2794,7 @@
           <a:p>
             <a:fld id="{635F9182-3771-4DF1-9A99-F90F22AB50AA}" type="datetimeFigureOut">
               <a:rPr lang="en-US" smtClean="0"/>
-              <a:t>2/22/2017</a:t>
+              <a:t>2/27/2017</a:t>
             </a:fld>
             <a:endParaRPr lang="en-US"/>
           </a:p>
@@ -3236,7 +3237,7 @@
         </p:nvSpPr>
         <p:spPr>
           <a:xfrm>
-            <a:off x="631330" y="1598429"/>
+            <a:off x="374658" y="1598429"/>
             <a:ext cx="5685580" cy="4081117"/>
           </a:xfrm>
           <a:prstGeom prst="rect">
@@ -3384,7 +3385,7 @@
         </p:blipFill>
         <p:spPr bwMode="auto">
           <a:xfrm>
-            <a:off x="5907383" y="1234599"/>
+            <a:off x="5987593" y="1234599"/>
             <a:ext cx="6112894" cy="4444947"/>
           </a:xfrm>
           <a:prstGeom prst="rect">
@@ -10966,7 +10967,23 @@
           <a:p>
             <a:r>
               <a:rPr lang="fr-FR" dirty="0"/>
-              <a:t>5. Conclusion</a:t>
+              <a:t>4. </a:t>
+            </a:r>
+            <a:r>
+              <a:rPr lang="fr-FR" dirty="0" err="1"/>
+              <a:t>Next</a:t>
+            </a:r>
+            <a:r>
+              <a:rPr lang="fr-FR" dirty="0"/>
+              <a:t> </a:t>
+            </a:r>
+            <a:r>
+              <a:rPr lang="fr-FR" dirty="0" err="1"/>
+              <a:t>steps</a:t>
+            </a:r>
+            <a:r>
+              <a:rPr lang="fr-FR" dirty="0"/>
+              <a:t> – Docker </a:t>
             </a:r>
             <a:endParaRPr lang="en-US" dirty="0"/>
           </a:p>
@@ -10974,14 +10991,14 @@
       </p:sp>
       <p:sp>
         <p:nvSpPr>
-          <p:cNvPr id="4" name="ZoneTexte 3"/>
+          <p:cNvPr id="7" name="ZoneTexte 6"/>
           <p:cNvSpPr txBox="1"/>
           <p:nvPr/>
         </p:nvSpPr>
         <p:spPr>
           <a:xfrm>
-            <a:off x="2216726" y="2632362"/>
-            <a:ext cx="8211127" cy="2092881"/>
+            <a:off x="4769057" y="5676197"/>
+            <a:ext cx="2952543" cy="923330"/>
           </a:xfrm>
           <a:prstGeom prst="rect">
             <a:avLst/>
@@ -10994,6 +11011,439 @@
           </a:bodyPr>
           <a:lstStyle/>
           <a:p>
+            <a:r>
+              <a:rPr lang="fr-FR" dirty="0" err="1"/>
+              <a:t>Using</a:t>
+            </a:r>
+            <a:r>
+              <a:rPr lang="fr-FR" dirty="0"/>
+              <a:t> docker 1.13 </a:t>
+            </a:r>
+            <a:r>
+              <a:rPr lang="fr-FR" dirty="0" err="1"/>
+              <a:t>stack</a:t>
+            </a:r>
+            <a:endParaRPr lang="fr-FR" dirty="0"/>
+          </a:p>
+          <a:p>
+            <a:endParaRPr lang="fr-FR" dirty="0"/>
+          </a:p>
+          <a:p>
+            <a:endParaRPr lang="fr-FR" dirty="0"/>
+          </a:p>
+        </p:txBody>
+      </p:sp>
+      <p:sp>
+        <p:nvSpPr>
+          <p:cNvPr id="10" name="ZoneTexte 9"/>
+          <p:cNvSpPr txBox="1"/>
+          <p:nvPr/>
+        </p:nvSpPr>
+        <p:spPr>
+          <a:xfrm>
+            <a:off x="791633" y="1616964"/>
+            <a:ext cx="3226575" cy="3416320"/>
+          </a:xfrm>
+          <a:prstGeom prst="rect">
+            <a:avLst/>
+          </a:prstGeom>
+          <a:noFill/>
+        </p:spPr>
+        <p:txBody>
+          <a:bodyPr wrap="square" rtlCol="0">
+            <a:spAutoFit/>
+          </a:bodyPr>
+          <a:lstStyle/>
+          <a:p>
+            <a:r>
+              <a:rPr lang="fr-FR" b="1" dirty="0" err="1"/>
+              <a:t>Dockerfile</a:t>
+            </a:r>
+            <a:endParaRPr lang="fr-FR" b="1" dirty="0"/>
+          </a:p>
+          <a:p>
+            <a:endParaRPr lang="fr-FR" b="1" dirty="0"/>
+          </a:p>
+          <a:p>
+            <a:r>
+              <a:rPr lang="fr-FR" dirty="0"/>
+              <a:t>FROM alpine</a:t>
+            </a:r>
+          </a:p>
+          <a:p>
+            <a:r>
+              <a:rPr lang="fr-FR" dirty="0"/>
+              <a:t>USER </a:t>
+            </a:r>
+            <a:r>
+              <a:rPr lang="fr-FR" dirty="0" err="1"/>
+              <a:t>root</a:t>
+            </a:r>
+            <a:endParaRPr lang="fr-FR" dirty="0"/>
+          </a:p>
+          <a:p>
+            <a:r>
+              <a:rPr lang="fr-FR" dirty="0"/>
+              <a:t>RUN </a:t>
+            </a:r>
+            <a:r>
+              <a:rPr lang="fr-FR" dirty="0" err="1"/>
+              <a:t>apt-get</a:t>
+            </a:r>
+            <a:r>
+              <a:rPr lang="fr-FR" dirty="0"/>
+              <a:t> </a:t>
+            </a:r>
+            <a:r>
+              <a:rPr lang="fr-FR" dirty="0" err="1"/>
+              <a:t>install</a:t>
+            </a:r>
+            <a:r>
+              <a:rPr lang="fr-FR" dirty="0"/>
+              <a:t> -y git </a:t>
+            </a:r>
+            <a:r>
+              <a:rPr lang="fr-FR" dirty="0" err="1"/>
+              <a:t>npm</a:t>
+            </a:r>
+            <a:r>
+              <a:rPr lang="fr-FR" dirty="0"/>
+              <a:t> </a:t>
+            </a:r>
+            <a:r>
+              <a:rPr lang="fr-FR" dirty="0" err="1"/>
+              <a:t>gulp</a:t>
+            </a:r>
+            <a:endParaRPr lang="fr-FR" dirty="0"/>
+          </a:p>
+          <a:p>
+            <a:r>
+              <a:rPr lang="fr-FR" dirty="0"/>
+              <a:t>git clone </a:t>
+            </a:r>
+            <a:r>
+              <a:rPr lang="fr-FR" dirty="0">
+                <a:hlinkClick r:id="rId2"/>
+              </a:rPr>
+              <a:t>https://github.com/jsotogaviard/tictactoe</a:t>
+            </a:r>
+            <a:endParaRPr lang="fr-FR" dirty="0"/>
+          </a:p>
+          <a:p>
+            <a:r>
+              <a:rPr lang="fr-FR" dirty="0"/>
+              <a:t>cd tictactoe</a:t>
+            </a:r>
+          </a:p>
+          <a:p>
+            <a:r>
+              <a:rPr lang="fr-FR" dirty="0" err="1"/>
+              <a:t>npm</a:t>
+            </a:r>
+            <a:r>
+              <a:rPr lang="fr-FR" dirty="0"/>
+              <a:t> </a:t>
+            </a:r>
+            <a:r>
+              <a:rPr lang="fr-FR" dirty="0" err="1"/>
+              <a:t>install</a:t>
+            </a:r>
+            <a:endParaRPr lang="fr-FR" dirty="0"/>
+          </a:p>
+          <a:p>
+            <a:r>
+              <a:rPr lang="fr-FR" dirty="0"/>
+              <a:t>ENTRYPOINT ["</a:t>
+            </a:r>
+            <a:r>
+              <a:rPr lang="fr-FR" dirty="0" err="1"/>
+              <a:t>gulp</a:t>
+            </a:r>
+            <a:r>
+              <a:rPr lang="fr-FR" dirty="0"/>
+              <a:t>"]</a:t>
+            </a:r>
+          </a:p>
+        </p:txBody>
+      </p:sp>
+      <p:sp>
+        <p:nvSpPr>
+          <p:cNvPr id="11" name="ZoneTexte 10"/>
+          <p:cNvSpPr txBox="1"/>
+          <p:nvPr/>
+        </p:nvSpPr>
+        <p:spPr>
+          <a:xfrm>
+            <a:off x="4769059" y="1665093"/>
+            <a:ext cx="2430232" cy="2585323"/>
+          </a:xfrm>
+          <a:prstGeom prst="rect">
+            <a:avLst/>
+          </a:prstGeom>
+          <a:noFill/>
+        </p:spPr>
+        <p:txBody>
+          <a:bodyPr wrap="square" rtlCol="0">
+            <a:spAutoFit/>
+          </a:bodyPr>
+          <a:lstStyle/>
+          <a:p>
+            <a:r>
+              <a:rPr lang="fr-FR" b="1" dirty="0"/>
+              <a:t>docker-</a:t>
+            </a:r>
+            <a:r>
+              <a:rPr lang="fr-FR" b="1" dirty="0" err="1"/>
+              <a:t>compose.yml</a:t>
+            </a:r>
+            <a:endParaRPr lang="fr-FR" b="1" dirty="0"/>
+          </a:p>
+          <a:p>
+            <a:endParaRPr lang="fr-FR" b="1" dirty="0"/>
+          </a:p>
+          <a:p>
+            <a:r>
+              <a:rPr lang="fr-FR" dirty="0"/>
+              <a:t>version: '3'</a:t>
+            </a:r>
+          </a:p>
+          <a:p>
+            <a:r>
+              <a:rPr lang="fr-FR" dirty="0"/>
+              <a:t>services:</a:t>
+            </a:r>
+          </a:p>
+          <a:p>
+            <a:r>
+              <a:rPr lang="fr-FR" dirty="0"/>
+              <a:t>  tictactoe</a:t>
+            </a:r>
+          </a:p>
+          <a:p>
+            <a:endParaRPr lang="fr-FR" dirty="0"/>
+          </a:p>
+          <a:p>
+            <a:r>
+              <a:rPr lang="fr-FR" dirty="0"/>
+              <a:t>  </a:t>
+            </a:r>
+            <a:r>
+              <a:rPr lang="fr-FR" dirty="0" err="1"/>
+              <a:t>postgresql</a:t>
+            </a:r>
+            <a:endParaRPr lang="fr-FR" dirty="0"/>
+          </a:p>
+          <a:p>
+            <a:endParaRPr lang="fr-FR" dirty="0"/>
+          </a:p>
+          <a:p>
+            <a:r>
+              <a:rPr lang="fr-FR" dirty="0"/>
+              <a:t>  </a:t>
+            </a:r>
+            <a:r>
+              <a:rPr lang="fr-FR" dirty="0" err="1"/>
+              <a:t>elk</a:t>
+            </a:r>
+            <a:endParaRPr lang="fr-FR" dirty="0"/>
+          </a:p>
+        </p:txBody>
+      </p:sp>
+      <p:sp>
+        <p:nvSpPr>
+          <p:cNvPr id="12" name="ZoneTexte 11"/>
+          <p:cNvSpPr txBox="1"/>
+          <p:nvPr/>
+        </p:nvSpPr>
+        <p:spPr>
+          <a:xfrm>
+            <a:off x="4769057" y="1155300"/>
+            <a:ext cx="3226575" cy="369332"/>
+          </a:xfrm>
+          <a:prstGeom prst="rect">
+            <a:avLst/>
+          </a:prstGeom>
+          <a:noFill/>
+        </p:spPr>
+        <p:txBody>
+          <a:bodyPr wrap="square" rtlCol="0">
+            <a:spAutoFit/>
+          </a:bodyPr>
+          <a:lstStyle/>
+          <a:p>
+            <a:r>
+              <a:rPr lang="fr-FR" b="1" dirty="0"/>
+              <a:t>Services</a:t>
+            </a:r>
+            <a:endParaRPr lang="fr-FR" dirty="0"/>
+          </a:p>
+        </p:txBody>
+      </p:sp>
+      <p:sp>
+        <p:nvSpPr>
+          <p:cNvPr id="13" name="ZoneTexte 12"/>
+          <p:cNvSpPr txBox="1"/>
+          <p:nvPr/>
+        </p:nvSpPr>
+        <p:spPr>
+          <a:xfrm>
+            <a:off x="791632" y="1155300"/>
+            <a:ext cx="3226575" cy="369332"/>
+          </a:xfrm>
+          <a:prstGeom prst="rect">
+            <a:avLst/>
+          </a:prstGeom>
+          <a:noFill/>
+        </p:spPr>
+        <p:txBody>
+          <a:bodyPr wrap="square" rtlCol="0">
+            <a:spAutoFit/>
+          </a:bodyPr>
+          <a:lstStyle/>
+          <a:p>
+            <a:r>
+              <a:rPr lang="fr-FR" b="1" dirty="0"/>
+              <a:t>Images</a:t>
+            </a:r>
+            <a:endParaRPr lang="fr-FR" dirty="0"/>
+          </a:p>
+        </p:txBody>
+      </p:sp>
+      <p:sp>
+        <p:nvSpPr>
+          <p:cNvPr id="14" name="ZoneTexte 13"/>
+          <p:cNvSpPr txBox="1"/>
+          <p:nvPr/>
+        </p:nvSpPr>
+        <p:spPr>
+          <a:xfrm>
+            <a:off x="8347237" y="1104268"/>
+            <a:ext cx="3226575" cy="369332"/>
+          </a:xfrm>
+          <a:prstGeom prst="rect">
+            <a:avLst/>
+          </a:prstGeom>
+          <a:noFill/>
+        </p:spPr>
+        <p:txBody>
+          <a:bodyPr wrap="square" rtlCol="0">
+            <a:spAutoFit/>
+          </a:bodyPr>
+          <a:lstStyle/>
+          <a:p>
+            <a:r>
+              <a:rPr lang="fr-FR" b="1" dirty="0" err="1"/>
+              <a:t>Stack</a:t>
+            </a:r>
+            <a:endParaRPr lang="fr-FR" dirty="0"/>
+          </a:p>
+        </p:txBody>
+      </p:sp>
+      <p:sp>
+        <p:nvSpPr>
+          <p:cNvPr id="15" name="ZoneTexte 14"/>
+          <p:cNvSpPr txBox="1"/>
+          <p:nvPr/>
+        </p:nvSpPr>
+        <p:spPr>
+          <a:xfrm>
+            <a:off x="8347237" y="1679186"/>
+            <a:ext cx="2430232" cy="369332"/>
+          </a:xfrm>
+          <a:prstGeom prst="rect">
+            <a:avLst/>
+          </a:prstGeom>
+          <a:noFill/>
+        </p:spPr>
+        <p:txBody>
+          <a:bodyPr wrap="square" rtlCol="0">
+            <a:spAutoFit/>
+          </a:bodyPr>
+          <a:lstStyle/>
+          <a:p>
+            <a:r>
+              <a:rPr lang="fr-FR" dirty="0" err="1"/>
+              <a:t>game</a:t>
+            </a:r>
+            <a:endParaRPr lang="fr-FR" dirty="0"/>
+          </a:p>
+        </p:txBody>
+      </p:sp>
+    </p:spTree>
+    <p:extLst>
+      <p:ext uri="{BB962C8B-B14F-4D97-AF65-F5344CB8AC3E}">
+        <p14:creationId xmlns:p14="http://schemas.microsoft.com/office/powerpoint/2010/main" val="1160108125"/>
+      </p:ext>
+    </p:extLst>
+  </p:cSld>
+  <p:clrMapOvr>
+    <a:masterClrMapping/>
+  </p:clrMapOvr>
+</p:sld>
+</file>
+
+<file path=ppt/slides/slide19.xml><?xml version="1.0" encoding="utf-8"?>
+<p:sld xmlns:a="http://schemas.openxmlformats.org/drawingml/2006/main" xmlns:r="http://schemas.openxmlformats.org/officeDocument/2006/relationships" xmlns:p="http://schemas.openxmlformats.org/presentationml/2006/main">
+  <p:cSld>
+    <p:spTree>
+      <p:nvGrpSpPr>
+        <p:cNvPr id="1" name=""/>
+        <p:cNvGrpSpPr/>
+        <p:nvPr/>
+      </p:nvGrpSpPr>
+      <p:grpSpPr>
+        <a:xfrm>
+          <a:off x="0" y="0"/>
+          <a:ext cx="0" cy="0"/>
+          <a:chOff x="0" y="0"/>
+          <a:chExt cx="0" cy="0"/>
+        </a:xfrm>
+      </p:grpSpPr>
+      <p:sp>
+        <p:nvSpPr>
+          <p:cNvPr id="2" name="Titre 1"/>
+          <p:cNvSpPr>
+            <a:spLocks noGrp="1"/>
+          </p:cNvSpPr>
+          <p:nvPr>
+            <p:ph type="title"/>
+          </p:nvPr>
+        </p:nvSpPr>
+        <p:spPr/>
+        <p:txBody>
+          <a:bodyPr/>
+          <a:lstStyle/>
+          <a:p>
+            <a:r>
+              <a:rPr lang="fr-FR" dirty="0"/>
+              <a:t>5. Conclusion</a:t>
+            </a:r>
+            <a:endParaRPr lang="en-US" dirty="0"/>
+          </a:p>
+        </p:txBody>
+      </p:sp>
+      <p:sp>
+        <p:nvSpPr>
+          <p:cNvPr id="4" name="ZoneTexte 3"/>
+          <p:cNvSpPr txBox="1"/>
+          <p:nvPr/>
+        </p:nvSpPr>
+        <p:spPr>
+          <a:xfrm>
+            <a:off x="2216726" y="1819562"/>
+            <a:ext cx="8211127" cy="2954655"/>
+          </a:xfrm>
+          <a:prstGeom prst="rect">
+            <a:avLst/>
+          </a:prstGeom>
+          <a:noFill/>
+        </p:spPr>
+        <p:txBody>
+          <a:bodyPr wrap="square" rtlCol="0">
+            <a:spAutoFit/>
+          </a:bodyPr>
+          <a:lstStyle/>
+          <a:p>
             <a:pPr indent="-285750">
               <a:buFontTx/>
               <a:buChar char="-"/>
@@ -11017,6 +11467,13 @@
               <a:buFontTx/>
               <a:buChar char="-"/>
             </a:pPr>
+            <a:endParaRPr lang="fr-FR" sz="2800" dirty="0"/>
+          </a:p>
+          <a:p>
+            <a:pPr indent="-285750">
+              <a:buFontTx/>
+              <a:buChar char="-"/>
+            </a:pPr>
             <a:r>
               <a:rPr lang="fr-FR" sz="2800" dirty="0" err="1"/>
               <a:t>Even</a:t>
@@ -11061,6 +11518,13 @@
               <a:rPr lang="fr-FR" sz="2800" dirty="0" err="1"/>
               <a:t>complexity</a:t>
             </a:r>
+            <a:endParaRPr lang="fr-FR" sz="2800" dirty="0"/>
+          </a:p>
+          <a:p>
+            <a:pPr indent="-285750">
+              <a:buFontTx/>
+              <a:buChar char="-"/>
+            </a:pPr>
             <a:endParaRPr lang="fr-FR" sz="2800" dirty="0"/>
           </a:p>
           <a:p>

--- a/tictactoe.pptx
+++ b/tictactoe.pptx
@@ -261,7 +261,7 @@
           <a:p>
             <a:fld id="{635F9182-3771-4DF1-9A99-F90F22AB50AA}" type="datetimeFigureOut">
               <a:rPr lang="en-US" smtClean="0"/>
-              <a:t>2/27/2017</a:t>
+              <a:t>3/2/2017</a:t>
             </a:fld>
             <a:endParaRPr lang="en-US"/>
           </a:p>
@@ -431,7 +431,7 @@
           <a:p>
             <a:fld id="{635F9182-3771-4DF1-9A99-F90F22AB50AA}" type="datetimeFigureOut">
               <a:rPr lang="en-US" smtClean="0"/>
-              <a:t>2/27/2017</a:t>
+              <a:t>3/2/2017</a:t>
             </a:fld>
             <a:endParaRPr lang="en-US"/>
           </a:p>
@@ -611,7 +611,7 @@
           <a:p>
             <a:fld id="{635F9182-3771-4DF1-9A99-F90F22AB50AA}" type="datetimeFigureOut">
               <a:rPr lang="en-US" smtClean="0"/>
-              <a:t>2/27/2017</a:t>
+              <a:t>3/2/2017</a:t>
             </a:fld>
             <a:endParaRPr lang="en-US"/>
           </a:p>
@@ -993,7 +993,7 @@
           <a:p>
             <a:fld id="{635F9182-3771-4DF1-9A99-F90F22AB50AA}" type="datetimeFigureOut">
               <a:rPr lang="en-US" smtClean="0"/>
-              <a:t>2/27/2017</a:t>
+              <a:t>3/2/2017</a:t>
             </a:fld>
             <a:endParaRPr lang="en-US"/>
           </a:p>
@@ -1239,7 +1239,7 @@
           <a:p>
             <a:fld id="{635F9182-3771-4DF1-9A99-F90F22AB50AA}" type="datetimeFigureOut">
               <a:rPr lang="en-US" smtClean="0"/>
-              <a:t>2/27/2017</a:t>
+              <a:t>3/2/2017</a:t>
             </a:fld>
             <a:endParaRPr lang="en-US"/>
           </a:p>
@@ -1471,7 +1471,7 @@
           <a:p>
             <a:fld id="{635F9182-3771-4DF1-9A99-F90F22AB50AA}" type="datetimeFigureOut">
               <a:rPr lang="en-US" smtClean="0"/>
-              <a:t>2/27/2017</a:t>
+              <a:t>3/2/2017</a:t>
             </a:fld>
             <a:endParaRPr lang="en-US"/>
           </a:p>
@@ -1838,7 +1838,7 @@
           <a:p>
             <a:fld id="{635F9182-3771-4DF1-9A99-F90F22AB50AA}" type="datetimeFigureOut">
               <a:rPr lang="en-US" smtClean="0"/>
-              <a:t>2/27/2017</a:t>
+              <a:t>3/2/2017</a:t>
             </a:fld>
             <a:endParaRPr lang="en-US"/>
           </a:p>
@@ -1956,7 +1956,7 @@
           <a:p>
             <a:fld id="{635F9182-3771-4DF1-9A99-F90F22AB50AA}" type="datetimeFigureOut">
               <a:rPr lang="en-US" smtClean="0"/>
-              <a:t>2/27/2017</a:t>
+              <a:t>3/2/2017</a:t>
             </a:fld>
             <a:endParaRPr lang="en-US"/>
           </a:p>
@@ -2051,7 +2051,7 @@
           <a:p>
             <a:fld id="{635F9182-3771-4DF1-9A99-F90F22AB50AA}" type="datetimeFigureOut">
               <a:rPr lang="en-US" smtClean="0"/>
-              <a:t>2/27/2017</a:t>
+              <a:t>3/2/2017</a:t>
             </a:fld>
             <a:endParaRPr lang="en-US"/>
           </a:p>
@@ -2328,7 +2328,7 @@
           <a:p>
             <a:fld id="{635F9182-3771-4DF1-9A99-F90F22AB50AA}" type="datetimeFigureOut">
               <a:rPr lang="en-US" smtClean="0"/>
-              <a:t>2/27/2017</a:t>
+              <a:t>3/2/2017</a:t>
             </a:fld>
             <a:endParaRPr lang="en-US"/>
           </a:p>
@@ -2581,7 +2581,7 @@
           <a:p>
             <a:fld id="{635F9182-3771-4DF1-9A99-F90F22AB50AA}" type="datetimeFigureOut">
               <a:rPr lang="en-US" smtClean="0"/>
-              <a:t>2/27/2017</a:t>
+              <a:t>3/2/2017</a:t>
             </a:fld>
             <a:endParaRPr lang="en-US"/>
           </a:p>
@@ -2794,7 +2794,7 @@
           <a:p>
             <a:fld id="{635F9182-3771-4DF1-9A99-F90F22AB50AA}" type="datetimeFigureOut">
               <a:rPr lang="en-US" smtClean="0"/>
-              <a:t>2/27/2017</a:t>
+              <a:t>3/2/2017</a:t>
             </a:fld>
             <a:endParaRPr lang="en-US"/>
           </a:p>
@@ -10983,53 +10983,9 @@
             </a:r>
             <a:r>
               <a:rPr lang="fr-FR" dirty="0"/>
-              <a:t> – Docker </a:t>
+              <a:t> – Docker 1.13</a:t>
             </a:r>
             <a:endParaRPr lang="en-US" dirty="0"/>
-          </a:p>
-        </p:txBody>
-      </p:sp>
-      <p:sp>
-        <p:nvSpPr>
-          <p:cNvPr id="7" name="ZoneTexte 6"/>
-          <p:cNvSpPr txBox="1"/>
-          <p:nvPr/>
-        </p:nvSpPr>
-        <p:spPr>
-          <a:xfrm>
-            <a:off x="4769057" y="5676197"/>
-            <a:ext cx="2952543" cy="923330"/>
-          </a:xfrm>
-          <a:prstGeom prst="rect">
-            <a:avLst/>
-          </a:prstGeom>
-          <a:noFill/>
-        </p:spPr>
-        <p:txBody>
-          <a:bodyPr wrap="square" rtlCol="0">
-            <a:spAutoFit/>
-          </a:bodyPr>
-          <a:lstStyle/>
-          <a:p>
-            <a:r>
-              <a:rPr lang="fr-FR" dirty="0" err="1"/>
-              <a:t>Using</a:t>
-            </a:r>
-            <a:r>
-              <a:rPr lang="fr-FR" dirty="0"/>
-              <a:t> docker 1.13 </a:t>
-            </a:r>
-            <a:r>
-              <a:rPr lang="fr-FR" dirty="0" err="1"/>
-              <a:t>stack</a:t>
-            </a:r>
-            <a:endParaRPr lang="fr-FR" dirty="0"/>
-          </a:p>
-          <a:p>
-            <a:endParaRPr lang="fr-FR" dirty="0"/>
-          </a:p>
-          <a:p>
-            <a:endParaRPr lang="fr-FR" dirty="0"/>
           </a:p>
         </p:txBody>
       </p:sp>

--- a/tictactoe.pptx
+++ b/tictactoe.pptx
@@ -10998,7 +10998,7 @@
         <p:spPr>
           <a:xfrm>
             <a:off x="791633" y="1616964"/>
-            <a:ext cx="3226575" cy="3416320"/>
+            <a:ext cx="3226575" cy="1200329"/>
           </a:xfrm>
           <a:prstGeom prst="rect">
             <a:avLst/>
@@ -11011,113 +11011,29 @@
           </a:bodyPr>
           <a:lstStyle/>
           <a:p>
-            <a:r>
-              <a:rPr lang="fr-FR" b="1" dirty="0" err="1"/>
-              <a:t>Dockerfile</a:t>
-            </a:r>
-            <a:endParaRPr lang="fr-FR" b="1" dirty="0"/>
-          </a:p>
-          <a:p>
-            <a:endParaRPr lang="fr-FR" b="1" dirty="0"/>
-          </a:p>
-          <a:p>
-            <a:r>
-              <a:rPr lang="fr-FR" dirty="0"/>
-              <a:t>FROM alpine</a:t>
-            </a:r>
-          </a:p>
-          <a:p>
-            <a:r>
-              <a:rPr lang="fr-FR" dirty="0"/>
-              <a:t>USER </a:t>
-            </a:r>
-            <a:r>
-              <a:rPr lang="fr-FR" dirty="0" err="1"/>
-              <a:t>root</a:t>
-            </a:r>
             <a:endParaRPr lang="fr-FR" dirty="0"/>
           </a:p>
           <a:p>
             <a:r>
               <a:rPr lang="fr-FR" dirty="0"/>
-              <a:t>RUN </a:t>
-            </a:r>
-            <a:r>
-              <a:rPr lang="fr-FR" dirty="0" err="1"/>
-              <a:t>apt-get</a:t>
-            </a:r>
-            <a:r>
-              <a:rPr lang="fr-FR" dirty="0"/>
-              <a:t> </a:t>
-            </a:r>
-            <a:r>
-              <a:rPr lang="fr-FR" dirty="0" err="1"/>
-              <a:t>install</a:t>
-            </a:r>
-            <a:r>
-              <a:rPr lang="fr-FR" dirty="0"/>
-              <a:t> -y git </a:t>
-            </a:r>
-            <a:r>
-              <a:rPr lang="fr-FR" dirty="0" err="1"/>
-              <a:t>npm</a:t>
-            </a:r>
-            <a:r>
-              <a:rPr lang="fr-FR" dirty="0"/>
-              <a:t> </a:t>
-            </a:r>
-            <a:r>
-              <a:rPr lang="fr-FR" dirty="0" err="1"/>
-              <a:t>gulp</a:t>
-            </a:r>
+              <a:t> - </a:t>
+            </a:r>
+            <a:r>
+              <a:rPr lang="fr-FR" dirty="0" err="1"/>
+              <a:t>postgres</a:t>
+            </a:r>
+            <a:r>
+              <a:rPr lang="fr-FR" dirty="0"/>
+              <a:t> image</a:t>
+            </a:r>
+          </a:p>
+          <a:p>
             <a:endParaRPr lang="fr-FR" dirty="0"/>
           </a:p>
           <a:p>
             <a:r>
               <a:rPr lang="fr-FR" dirty="0"/>
-              <a:t>git clone </a:t>
-            </a:r>
-            <a:r>
-              <a:rPr lang="fr-FR" dirty="0">
-                <a:hlinkClick r:id="rId2"/>
-              </a:rPr>
-              <a:t>https://github.com/jsotogaviard/tictactoe</a:t>
-            </a:r>
-            <a:endParaRPr lang="fr-FR" dirty="0"/>
-          </a:p>
-          <a:p>
-            <a:r>
-              <a:rPr lang="fr-FR" dirty="0"/>
-              <a:t>cd tictactoe</a:t>
-            </a:r>
-          </a:p>
-          <a:p>
-            <a:r>
-              <a:rPr lang="fr-FR" dirty="0" err="1"/>
-              <a:t>npm</a:t>
-            </a:r>
-            <a:r>
-              <a:rPr lang="fr-FR" dirty="0"/>
-              <a:t> </a:t>
-            </a:r>
-            <a:r>
-              <a:rPr lang="fr-FR" dirty="0" err="1"/>
-              <a:t>install</a:t>
-            </a:r>
-            <a:endParaRPr lang="fr-FR" dirty="0"/>
-          </a:p>
-          <a:p>
-            <a:r>
-              <a:rPr lang="fr-FR" dirty="0"/>
-              <a:t>ENTRYPOINT ["</a:t>
-            </a:r>
-            <a:r>
-              <a:rPr lang="fr-FR" dirty="0" err="1"/>
-              <a:t>gulp</a:t>
-            </a:r>
-            <a:r>
-              <a:rPr lang="fr-FR" dirty="0"/>
-              <a:t>"]</a:t>
+              <a:t> - tictactoe image</a:t>
             </a:r>
           </a:p>
         </p:txBody>
@@ -11131,7 +11047,7 @@
         <p:spPr>
           <a:xfrm>
             <a:off x="4769059" y="1665093"/>
-            <a:ext cx="2430232" cy="2585323"/>
+            <a:ext cx="2430232" cy="2308324"/>
           </a:xfrm>
           <a:prstGeom prst="rect">
             <a:avLst/>
@@ -11144,18 +11060,7 @@
           </a:bodyPr>
           <a:lstStyle/>
           <a:p>
-            <a:r>
-              <a:rPr lang="fr-FR" b="1" dirty="0"/>
-              <a:t>docker-</a:t>
-            </a:r>
-            <a:r>
-              <a:rPr lang="fr-FR" b="1" dirty="0" err="1"/>
-              <a:t>compose.yml</a:t>
-            </a:r>
-            <a:endParaRPr lang="fr-FR" b="1" dirty="0"/>
-          </a:p>
-          <a:p>
-            <a:endParaRPr lang="fr-FR" b="1" dirty="0"/>
+            <a:endParaRPr lang="fr-FR" dirty="0"/>
           </a:p>
           <a:p>
             <a:r>
@@ -11199,7 +11104,7 @@
             </a:r>
             <a:r>
               <a:rPr lang="fr-FR" dirty="0" err="1"/>
-              <a:t>elk</a:t>
+              <a:t>portainer</a:t>
             </a:r>
             <a:endParaRPr lang="fr-FR" dirty="0"/>
           </a:p>
@@ -11290,6 +11195,14 @@
             <a:r>
               <a:rPr lang="fr-FR" b="1" dirty="0" err="1"/>
               <a:t>Stack</a:t>
+            </a:r>
+            <a:r>
+              <a:rPr lang="fr-FR" b="1" dirty="0"/>
+              <a:t> in </a:t>
+            </a:r>
+            <a:r>
+              <a:rPr lang="fr-FR" b="1" dirty="0" err="1"/>
+              <a:t>swarm</a:t>
             </a:r>
             <a:endParaRPr lang="fr-FR" dirty="0"/>
           </a:p>
@@ -11387,7 +11300,7 @@
         <p:spPr>
           <a:xfrm>
             <a:off x="2216726" y="1819562"/>
-            <a:ext cx="8211127" cy="2954655"/>
+            <a:ext cx="8211127" cy="3816429"/>
           </a:xfrm>
           <a:prstGeom prst="rect">
             <a:avLst/>
@@ -11508,6 +11421,64 @@
               <a:rPr lang="fr-FR" sz="2800" dirty="0"/>
               <a:t> case</a:t>
             </a:r>
+          </a:p>
+          <a:p>
+            <a:pPr indent="-285750">
+              <a:buFontTx/>
+              <a:buChar char="-"/>
+            </a:pPr>
+            <a:endParaRPr lang="fr-FR" sz="2800" dirty="0"/>
+          </a:p>
+          <a:p>
+            <a:r>
+              <a:rPr lang="fr-FR" sz="2800" dirty="0"/>
+              <a:t>- </a:t>
+            </a:r>
+            <a:r>
+              <a:rPr lang="fr-FR" sz="2800" dirty="0" err="1"/>
+              <a:t>Everything</a:t>
+            </a:r>
+            <a:r>
+              <a:rPr lang="fr-FR" sz="2800" dirty="0"/>
+              <a:t> </a:t>
+            </a:r>
+            <a:r>
+              <a:rPr lang="fr-FR" sz="2800" dirty="0" err="1"/>
+              <a:t>is</a:t>
+            </a:r>
+            <a:r>
+              <a:rPr lang="fr-FR" sz="2800" dirty="0"/>
+              <a:t> </a:t>
+            </a:r>
+            <a:r>
+              <a:rPr lang="fr-FR" sz="2800" dirty="0" err="1"/>
+              <a:t>avalaible</a:t>
+            </a:r>
+            <a:r>
+              <a:rPr lang="fr-FR" sz="2800" dirty="0"/>
+              <a:t> on </a:t>
+            </a:r>
+            <a:r>
+              <a:rPr lang="fr-FR" sz="2800" dirty="0" err="1"/>
+              <a:t>my</a:t>
+            </a:r>
+            <a:r>
+              <a:rPr lang="fr-FR" sz="2800" dirty="0"/>
+              <a:t> </a:t>
+            </a:r>
+            <a:r>
+              <a:rPr lang="fr-FR" sz="2800" dirty="0" err="1"/>
+              <a:t>github</a:t>
+            </a:r>
+            <a:r>
+              <a:rPr lang="fr-FR" sz="2800" dirty="0"/>
+              <a:t> </a:t>
+            </a:r>
+            <a:r>
+              <a:rPr lang="fr-FR" sz="2800" dirty="0" err="1"/>
+              <a:t>jsotogaviard</a:t>
+            </a:r>
+            <a:endParaRPr lang="fr-FR" sz="2800" dirty="0"/>
           </a:p>
           <a:p>
             <a:pPr marL="285750" indent="-285750">
